--- a/ppt 16-9/0897.走过秋天.pptx
+++ b/ppt 16-9/0897.走过秋天.pptx
@@ -5,7 +5,7 @@
     <p:sldMasterId id="2147483648" r:id="rId1"/>
   </p:sldMasterIdLst>
   <p:sldIdLst>
-    <p:sldId id="2219" r:id="rId2"/>
+    <p:sldId id="2220" r:id="rId2"/>
   </p:sldIdLst>
   <p:sldSz cx="12192000" cy="6858000"/>
   <p:notesSz cx="6858000" cy="9144000"/>
@@ -129,7 +129,7 @@
           <p:cNvPr id="2" name="标题 1">
             <a:extLst>
               <a:ext uri="{FF2B5EF4-FFF2-40B4-BE49-F238E27FC236}">
-                <a16:creationId xmlns:a16="http://schemas.microsoft.com/office/drawing/2014/main" id="{CC586698-DD3A-B13D-17A2-7DF58C8BB857}"/>
+                <a16:creationId xmlns:a16="http://schemas.microsoft.com/office/drawing/2014/main" id="{1734EE94-3083-2DFC-9E33-963595471F74}"/>
               </a:ext>
             </a:extLst>
           </p:cNvPr>
@@ -166,7 +166,7 @@
           <p:cNvPr id="3" name="副标题 2">
             <a:extLst>
               <a:ext uri="{FF2B5EF4-FFF2-40B4-BE49-F238E27FC236}">
-                <a16:creationId xmlns:a16="http://schemas.microsoft.com/office/drawing/2014/main" id="{3CBF35E5-B65D-88FC-8F35-667A65F7355F}"/>
+                <a16:creationId xmlns:a16="http://schemas.microsoft.com/office/drawing/2014/main" id="{B80AFFFC-EDB6-4938-BE9E-963FC4267762}"/>
               </a:ext>
             </a:extLst>
           </p:cNvPr>
@@ -236,7 +236,7 @@
           <p:cNvPr id="4" name="日期占位符 3">
             <a:extLst>
               <a:ext uri="{FF2B5EF4-FFF2-40B4-BE49-F238E27FC236}">
-                <a16:creationId xmlns:a16="http://schemas.microsoft.com/office/drawing/2014/main" id="{83008ADF-720D-CCFF-3EC9-4A2FF8859597}"/>
+                <a16:creationId xmlns:a16="http://schemas.microsoft.com/office/drawing/2014/main" id="{58A8B904-B5CA-764C-3505-652E18CF1579}"/>
               </a:ext>
             </a:extLst>
           </p:cNvPr>
@@ -252,7 +252,7 @@
           <a:bodyPr/>
           <a:lstStyle/>
           <a:p>
-            <a:fld id="{41296D1A-6BE3-4FAA-BC3C-561484BB4BBF}" type="datetimeFigureOut">
+            <a:fld id="{93D1CF52-49BA-416A-925C-B4484866E4F7}" type="datetimeFigureOut">
               <a:rPr lang="zh-CN" altLang="en-US" smtClean="0"/>
               <a:t>2024/3/10</a:t>
             </a:fld>
@@ -265,7 +265,7 @@
           <p:cNvPr id="5" name="页脚占位符 4">
             <a:extLst>
               <a:ext uri="{FF2B5EF4-FFF2-40B4-BE49-F238E27FC236}">
-                <a16:creationId xmlns:a16="http://schemas.microsoft.com/office/drawing/2014/main" id="{53506AB8-9770-1A32-DFA3-DCDD0652B4E7}"/>
+                <a16:creationId xmlns:a16="http://schemas.microsoft.com/office/drawing/2014/main" id="{5EE3F55F-B7E8-90B9-5A45-8A5734ACFD80}"/>
               </a:ext>
             </a:extLst>
           </p:cNvPr>
@@ -290,7 +290,7 @@
           <p:cNvPr id="6" name="灯片编号占位符 5">
             <a:extLst>
               <a:ext uri="{FF2B5EF4-FFF2-40B4-BE49-F238E27FC236}">
-                <a16:creationId xmlns:a16="http://schemas.microsoft.com/office/drawing/2014/main" id="{2C5B3203-6835-223A-84F4-0382D7F14FCD}"/>
+                <a16:creationId xmlns:a16="http://schemas.microsoft.com/office/drawing/2014/main" id="{C693D1EF-54F1-B76A-F09C-C485B0F76920}"/>
               </a:ext>
             </a:extLst>
           </p:cNvPr>
@@ -306,7 +306,7 @@
           <a:bodyPr/>
           <a:lstStyle/>
           <a:p>
-            <a:fld id="{A615D608-D3B1-4F84-BD7A-6B37F425C720}" type="slidenum">
+            <a:fld id="{E1ACA7B8-9100-41A5-9AB9-BAAA80D6E5DC}" type="slidenum">
               <a:rPr lang="zh-CN" altLang="en-US" smtClean="0"/>
               <a:t>‹#›</a:t>
             </a:fld>
@@ -317,7 +317,7 @@
     </p:spTree>
     <p:extLst>
       <p:ext uri="{BB962C8B-B14F-4D97-AF65-F5344CB8AC3E}">
-        <p14:creationId xmlns:p14="http://schemas.microsoft.com/office/powerpoint/2010/main" val="137211476"/>
+        <p14:creationId xmlns:p14="http://schemas.microsoft.com/office/powerpoint/2010/main" val="489404329"/>
       </p:ext>
     </p:extLst>
   </p:cSld>
@@ -349,7 +349,7 @@
           <p:cNvPr id="2" name="标题 1">
             <a:extLst>
               <a:ext uri="{FF2B5EF4-FFF2-40B4-BE49-F238E27FC236}">
-                <a16:creationId xmlns:a16="http://schemas.microsoft.com/office/drawing/2014/main" id="{86233504-BBF3-65D1-F697-CB8182528BF8}"/>
+                <a16:creationId xmlns:a16="http://schemas.microsoft.com/office/drawing/2014/main" id="{F2FCAAB5-E2D1-AA62-71AB-8BE56628FEA9}"/>
               </a:ext>
             </a:extLst>
           </p:cNvPr>
@@ -377,7 +377,7 @@
           <p:cNvPr id="3" name="竖排文字占位符 2">
             <a:extLst>
               <a:ext uri="{FF2B5EF4-FFF2-40B4-BE49-F238E27FC236}">
-                <a16:creationId xmlns:a16="http://schemas.microsoft.com/office/drawing/2014/main" id="{DC06EAD5-AC53-3F10-6238-3D1B9BB29511}"/>
+                <a16:creationId xmlns:a16="http://schemas.microsoft.com/office/drawing/2014/main" id="{999BC753-6E90-B44A-97F4-D07975265CBF}"/>
               </a:ext>
             </a:extLst>
           </p:cNvPr>
@@ -434,7 +434,7 @@
           <p:cNvPr id="4" name="日期占位符 3">
             <a:extLst>
               <a:ext uri="{FF2B5EF4-FFF2-40B4-BE49-F238E27FC236}">
-                <a16:creationId xmlns:a16="http://schemas.microsoft.com/office/drawing/2014/main" id="{E09A4983-CF58-38AA-D788-869C477A14E4}"/>
+                <a16:creationId xmlns:a16="http://schemas.microsoft.com/office/drawing/2014/main" id="{7DC5AAEE-1312-5DDD-175E-304045031EA3}"/>
               </a:ext>
             </a:extLst>
           </p:cNvPr>
@@ -450,7 +450,7 @@
           <a:bodyPr/>
           <a:lstStyle/>
           <a:p>
-            <a:fld id="{41296D1A-6BE3-4FAA-BC3C-561484BB4BBF}" type="datetimeFigureOut">
+            <a:fld id="{93D1CF52-49BA-416A-925C-B4484866E4F7}" type="datetimeFigureOut">
               <a:rPr lang="zh-CN" altLang="en-US" smtClean="0"/>
               <a:t>2024/3/10</a:t>
             </a:fld>
@@ -463,7 +463,7 @@
           <p:cNvPr id="5" name="页脚占位符 4">
             <a:extLst>
               <a:ext uri="{FF2B5EF4-FFF2-40B4-BE49-F238E27FC236}">
-                <a16:creationId xmlns:a16="http://schemas.microsoft.com/office/drawing/2014/main" id="{2D1589E2-7292-7EA8-3B0B-6CF865AE6E8C}"/>
+                <a16:creationId xmlns:a16="http://schemas.microsoft.com/office/drawing/2014/main" id="{7F9FB2E3-CECD-624F-37AC-91D3F3C2553C}"/>
               </a:ext>
             </a:extLst>
           </p:cNvPr>
@@ -488,7 +488,7 @@
           <p:cNvPr id="6" name="灯片编号占位符 5">
             <a:extLst>
               <a:ext uri="{FF2B5EF4-FFF2-40B4-BE49-F238E27FC236}">
-                <a16:creationId xmlns:a16="http://schemas.microsoft.com/office/drawing/2014/main" id="{6F6B464A-9CB2-51D3-7BE5-022DBC999134}"/>
+                <a16:creationId xmlns:a16="http://schemas.microsoft.com/office/drawing/2014/main" id="{DDE39CEF-6822-6FCD-A933-5845F85C81C5}"/>
               </a:ext>
             </a:extLst>
           </p:cNvPr>
@@ -504,7 +504,7 @@
           <a:bodyPr/>
           <a:lstStyle/>
           <a:p>
-            <a:fld id="{A615D608-D3B1-4F84-BD7A-6B37F425C720}" type="slidenum">
+            <a:fld id="{E1ACA7B8-9100-41A5-9AB9-BAAA80D6E5DC}" type="slidenum">
               <a:rPr lang="zh-CN" altLang="en-US" smtClean="0"/>
               <a:t>‹#›</a:t>
             </a:fld>
@@ -515,7 +515,7 @@
     </p:spTree>
     <p:extLst>
       <p:ext uri="{BB962C8B-B14F-4D97-AF65-F5344CB8AC3E}">
-        <p14:creationId xmlns:p14="http://schemas.microsoft.com/office/powerpoint/2010/main" val="2745925208"/>
+        <p14:creationId xmlns:p14="http://schemas.microsoft.com/office/powerpoint/2010/main" val="2144880897"/>
       </p:ext>
     </p:extLst>
   </p:cSld>
@@ -547,7 +547,7 @@
           <p:cNvPr id="2" name="竖排标题 1">
             <a:extLst>
               <a:ext uri="{FF2B5EF4-FFF2-40B4-BE49-F238E27FC236}">
-                <a16:creationId xmlns:a16="http://schemas.microsoft.com/office/drawing/2014/main" id="{87BB8608-6F29-13BF-49A7-E297C374316C}"/>
+                <a16:creationId xmlns:a16="http://schemas.microsoft.com/office/drawing/2014/main" id="{DD7AC6D2-0C52-CC4A-5A8E-B9531D76D9B8}"/>
               </a:ext>
             </a:extLst>
           </p:cNvPr>
@@ -580,7 +580,7 @@
           <p:cNvPr id="3" name="竖排文字占位符 2">
             <a:extLst>
               <a:ext uri="{FF2B5EF4-FFF2-40B4-BE49-F238E27FC236}">
-                <a16:creationId xmlns:a16="http://schemas.microsoft.com/office/drawing/2014/main" id="{5DAFCE07-E342-DCFA-9327-18D35E103F42}"/>
+                <a16:creationId xmlns:a16="http://schemas.microsoft.com/office/drawing/2014/main" id="{DCE0982B-974D-5035-39CD-59781B2BDA9B}"/>
               </a:ext>
             </a:extLst>
           </p:cNvPr>
@@ -642,7 +642,7 @@
           <p:cNvPr id="4" name="日期占位符 3">
             <a:extLst>
               <a:ext uri="{FF2B5EF4-FFF2-40B4-BE49-F238E27FC236}">
-                <a16:creationId xmlns:a16="http://schemas.microsoft.com/office/drawing/2014/main" id="{4802FB12-B086-84E4-D2B6-0E75E7152FE9}"/>
+                <a16:creationId xmlns:a16="http://schemas.microsoft.com/office/drawing/2014/main" id="{6BCB61B1-4814-0D95-21BB-50F2C1CA5DB0}"/>
               </a:ext>
             </a:extLst>
           </p:cNvPr>
@@ -658,7 +658,7 @@
           <a:bodyPr/>
           <a:lstStyle/>
           <a:p>
-            <a:fld id="{41296D1A-6BE3-4FAA-BC3C-561484BB4BBF}" type="datetimeFigureOut">
+            <a:fld id="{93D1CF52-49BA-416A-925C-B4484866E4F7}" type="datetimeFigureOut">
               <a:rPr lang="zh-CN" altLang="en-US" smtClean="0"/>
               <a:t>2024/3/10</a:t>
             </a:fld>
@@ -671,7 +671,7 @@
           <p:cNvPr id="5" name="页脚占位符 4">
             <a:extLst>
               <a:ext uri="{FF2B5EF4-FFF2-40B4-BE49-F238E27FC236}">
-                <a16:creationId xmlns:a16="http://schemas.microsoft.com/office/drawing/2014/main" id="{542F9EB3-772F-3630-F350-EB168B8C738D}"/>
+                <a16:creationId xmlns:a16="http://schemas.microsoft.com/office/drawing/2014/main" id="{71A57000-B916-4003-F0DC-F4807B4FDDE2}"/>
               </a:ext>
             </a:extLst>
           </p:cNvPr>
@@ -696,7 +696,7 @@
           <p:cNvPr id="6" name="灯片编号占位符 5">
             <a:extLst>
               <a:ext uri="{FF2B5EF4-FFF2-40B4-BE49-F238E27FC236}">
-                <a16:creationId xmlns:a16="http://schemas.microsoft.com/office/drawing/2014/main" id="{E9F1890F-3B71-4471-B029-0BE26EAFA4C9}"/>
+                <a16:creationId xmlns:a16="http://schemas.microsoft.com/office/drawing/2014/main" id="{A01AF724-4E55-353F-F818-80524083034D}"/>
               </a:ext>
             </a:extLst>
           </p:cNvPr>
@@ -712,7 +712,7 @@
           <a:bodyPr/>
           <a:lstStyle/>
           <a:p>
-            <a:fld id="{A615D608-D3B1-4F84-BD7A-6B37F425C720}" type="slidenum">
+            <a:fld id="{E1ACA7B8-9100-41A5-9AB9-BAAA80D6E5DC}" type="slidenum">
               <a:rPr lang="zh-CN" altLang="en-US" smtClean="0"/>
               <a:t>‹#›</a:t>
             </a:fld>
@@ -723,7 +723,7 @@
     </p:spTree>
     <p:extLst>
       <p:ext uri="{BB962C8B-B14F-4D97-AF65-F5344CB8AC3E}">
-        <p14:creationId xmlns:p14="http://schemas.microsoft.com/office/powerpoint/2010/main" val="1384094574"/>
+        <p14:creationId xmlns:p14="http://schemas.microsoft.com/office/powerpoint/2010/main" val="2352694168"/>
       </p:ext>
     </p:extLst>
   </p:cSld>
@@ -755,7 +755,7 @@
           <p:cNvPr id="2" name="标题 1">
             <a:extLst>
               <a:ext uri="{FF2B5EF4-FFF2-40B4-BE49-F238E27FC236}">
-                <a16:creationId xmlns:a16="http://schemas.microsoft.com/office/drawing/2014/main" id="{96B74AD7-EF41-A8E3-D761-014029FD5734}"/>
+                <a16:creationId xmlns:a16="http://schemas.microsoft.com/office/drawing/2014/main" id="{E424A033-0CAD-263F-ED5A-445497D13C89}"/>
               </a:ext>
             </a:extLst>
           </p:cNvPr>
@@ -783,7 +783,7 @@
           <p:cNvPr id="3" name="内容占位符 2">
             <a:extLst>
               <a:ext uri="{FF2B5EF4-FFF2-40B4-BE49-F238E27FC236}">
-                <a16:creationId xmlns:a16="http://schemas.microsoft.com/office/drawing/2014/main" id="{04503219-E78E-ACDC-B4D3-2B00E65FCC32}"/>
+                <a16:creationId xmlns:a16="http://schemas.microsoft.com/office/drawing/2014/main" id="{F1BABE4C-2396-811F-3021-D0D11BFB3E96}"/>
               </a:ext>
             </a:extLst>
           </p:cNvPr>
@@ -840,7 +840,7 @@
           <p:cNvPr id="4" name="日期占位符 3">
             <a:extLst>
               <a:ext uri="{FF2B5EF4-FFF2-40B4-BE49-F238E27FC236}">
-                <a16:creationId xmlns:a16="http://schemas.microsoft.com/office/drawing/2014/main" id="{C9DCCE8B-8731-0E9E-DCD5-CB8F3A88C866}"/>
+                <a16:creationId xmlns:a16="http://schemas.microsoft.com/office/drawing/2014/main" id="{0C8068D6-7764-E12F-AF98-F372007098B8}"/>
               </a:ext>
             </a:extLst>
           </p:cNvPr>
@@ -856,7 +856,7 @@
           <a:bodyPr/>
           <a:lstStyle/>
           <a:p>
-            <a:fld id="{41296D1A-6BE3-4FAA-BC3C-561484BB4BBF}" type="datetimeFigureOut">
+            <a:fld id="{93D1CF52-49BA-416A-925C-B4484866E4F7}" type="datetimeFigureOut">
               <a:rPr lang="zh-CN" altLang="en-US" smtClean="0"/>
               <a:t>2024/3/10</a:t>
             </a:fld>
@@ -869,7 +869,7 @@
           <p:cNvPr id="5" name="页脚占位符 4">
             <a:extLst>
               <a:ext uri="{FF2B5EF4-FFF2-40B4-BE49-F238E27FC236}">
-                <a16:creationId xmlns:a16="http://schemas.microsoft.com/office/drawing/2014/main" id="{07A2D1DF-1AC1-BB70-0C93-E995017A5411}"/>
+                <a16:creationId xmlns:a16="http://schemas.microsoft.com/office/drawing/2014/main" id="{E82856FC-EEED-FA9C-6912-F469C29E6604}"/>
               </a:ext>
             </a:extLst>
           </p:cNvPr>
@@ -894,7 +894,7 @@
           <p:cNvPr id="6" name="灯片编号占位符 5">
             <a:extLst>
               <a:ext uri="{FF2B5EF4-FFF2-40B4-BE49-F238E27FC236}">
-                <a16:creationId xmlns:a16="http://schemas.microsoft.com/office/drawing/2014/main" id="{192EBC2C-7456-03D4-4D85-1BD306A981F2}"/>
+                <a16:creationId xmlns:a16="http://schemas.microsoft.com/office/drawing/2014/main" id="{14191E8D-FB1B-1177-1741-61F18D17CA86}"/>
               </a:ext>
             </a:extLst>
           </p:cNvPr>
@@ -910,7 +910,7 @@
           <a:bodyPr/>
           <a:lstStyle/>
           <a:p>
-            <a:fld id="{A615D608-D3B1-4F84-BD7A-6B37F425C720}" type="slidenum">
+            <a:fld id="{E1ACA7B8-9100-41A5-9AB9-BAAA80D6E5DC}" type="slidenum">
               <a:rPr lang="zh-CN" altLang="en-US" smtClean="0"/>
               <a:t>‹#›</a:t>
             </a:fld>
@@ -921,7 +921,7 @@
     </p:spTree>
     <p:extLst>
       <p:ext uri="{BB962C8B-B14F-4D97-AF65-F5344CB8AC3E}">
-        <p14:creationId xmlns:p14="http://schemas.microsoft.com/office/powerpoint/2010/main" val="3968972078"/>
+        <p14:creationId xmlns:p14="http://schemas.microsoft.com/office/powerpoint/2010/main" val="657461926"/>
       </p:ext>
     </p:extLst>
   </p:cSld>
@@ -953,7 +953,7 @@
           <p:cNvPr id="2" name="标题 1">
             <a:extLst>
               <a:ext uri="{FF2B5EF4-FFF2-40B4-BE49-F238E27FC236}">
-                <a16:creationId xmlns:a16="http://schemas.microsoft.com/office/drawing/2014/main" id="{8A6678D2-77E4-9304-18FD-732D758DCB9C}"/>
+                <a16:creationId xmlns:a16="http://schemas.microsoft.com/office/drawing/2014/main" id="{12D9EFFE-A0EB-27D3-4071-209B31E7D68D}"/>
               </a:ext>
             </a:extLst>
           </p:cNvPr>
@@ -990,7 +990,7 @@
           <p:cNvPr id="3" name="文本占位符 2">
             <a:extLst>
               <a:ext uri="{FF2B5EF4-FFF2-40B4-BE49-F238E27FC236}">
-                <a16:creationId xmlns:a16="http://schemas.microsoft.com/office/drawing/2014/main" id="{C5DBEEA6-01B5-6908-22CE-8F98566C3AC9}"/>
+                <a16:creationId xmlns:a16="http://schemas.microsoft.com/office/drawing/2014/main" id="{998DB18C-9F00-C6FC-9EC7-A040034B2B9A}"/>
               </a:ext>
             </a:extLst>
           </p:cNvPr>
@@ -1115,7 +1115,7 @@
           <p:cNvPr id="4" name="日期占位符 3">
             <a:extLst>
               <a:ext uri="{FF2B5EF4-FFF2-40B4-BE49-F238E27FC236}">
-                <a16:creationId xmlns:a16="http://schemas.microsoft.com/office/drawing/2014/main" id="{67224460-F0A2-52F8-9606-193587FA18C9}"/>
+                <a16:creationId xmlns:a16="http://schemas.microsoft.com/office/drawing/2014/main" id="{9B268D99-9B91-F513-E7ED-A598C42E6B3B}"/>
               </a:ext>
             </a:extLst>
           </p:cNvPr>
@@ -1131,7 +1131,7 @@
           <a:bodyPr/>
           <a:lstStyle/>
           <a:p>
-            <a:fld id="{41296D1A-6BE3-4FAA-BC3C-561484BB4BBF}" type="datetimeFigureOut">
+            <a:fld id="{93D1CF52-49BA-416A-925C-B4484866E4F7}" type="datetimeFigureOut">
               <a:rPr lang="zh-CN" altLang="en-US" smtClean="0"/>
               <a:t>2024/3/10</a:t>
             </a:fld>
@@ -1144,7 +1144,7 @@
           <p:cNvPr id="5" name="页脚占位符 4">
             <a:extLst>
               <a:ext uri="{FF2B5EF4-FFF2-40B4-BE49-F238E27FC236}">
-                <a16:creationId xmlns:a16="http://schemas.microsoft.com/office/drawing/2014/main" id="{7FA8755B-83D9-0785-5238-D6963BA5B884}"/>
+                <a16:creationId xmlns:a16="http://schemas.microsoft.com/office/drawing/2014/main" id="{E0C1636F-46EA-8354-0464-4949FF14BCBD}"/>
               </a:ext>
             </a:extLst>
           </p:cNvPr>
@@ -1169,7 +1169,7 @@
           <p:cNvPr id="6" name="灯片编号占位符 5">
             <a:extLst>
               <a:ext uri="{FF2B5EF4-FFF2-40B4-BE49-F238E27FC236}">
-                <a16:creationId xmlns:a16="http://schemas.microsoft.com/office/drawing/2014/main" id="{DADA8437-3501-D386-C90D-61F47D3F9BE6}"/>
+                <a16:creationId xmlns:a16="http://schemas.microsoft.com/office/drawing/2014/main" id="{9308ED20-682C-FC98-B7E6-462E28B7A383}"/>
               </a:ext>
             </a:extLst>
           </p:cNvPr>
@@ -1185,7 +1185,7 @@
           <a:bodyPr/>
           <a:lstStyle/>
           <a:p>
-            <a:fld id="{A615D608-D3B1-4F84-BD7A-6B37F425C720}" type="slidenum">
+            <a:fld id="{E1ACA7B8-9100-41A5-9AB9-BAAA80D6E5DC}" type="slidenum">
               <a:rPr lang="zh-CN" altLang="en-US" smtClean="0"/>
               <a:t>‹#›</a:t>
             </a:fld>
@@ -1196,7 +1196,7 @@
     </p:spTree>
     <p:extLst>
       <p:ext uri="{BB962C8B-B14F-4D97-AF65-F5344CB8AC3E}">
-        <p14:creationId xmlns:p14="http://schemas.microsoft.com/office/powerpoint/2010/main" val="2201918179"/>
+        <p14:creationId xmlns:p14="http://schemas.microsoft.com/office/powerpoint/2010/main" val="2087978837"/>
       </p:ext>
     </p:extLst>
   </p:cSld>
@@ -1228,7 +1228,7 @@
           <p:cNvPr id="2" name="标题 1">
             <a:extLst>
               <a:ext uri="{FF2B5EF4-FFF2-40B4-BE49-F238E27FC236}">
-                <a16:creationId xmlns:a16="http://schemas.microsoft.com/office/drawing/2014/main" id="{F7697192-3B99-A3D0-A25F-38F5636C425A}"/>
+                <a16:creationId xmlns:a16="http://schemas.microsoft.com/office/drawing/2014/main" id="{EBD04F7C-A0FB-0A86-3749-45E29AE24739}"/>
               </a:ext>
             </a:extLst>
           </p:cNvPr>
@@ -1256,7 +1256,7 @@
           <p:cNvPr id="3" name="内容占位符 2">
             <a:extLst>
               <a:ext uri="{FF2B5EF4-FFF2-40B4-BE49-F238E27FC236}">
-                <a16:creationId xmlns:a16="http://schemas.microsoft.com/office/drawing/2014/main" id="{375F885B-08F8-4018-219B-36666A501E56}"/>
+                <a16:creationId xmlns:a16="http://schemas.microsoft.com/office/drawing/2014/main" id="{01164790-A70F-592C-EFBC-F9C030566EB6}"/>
               </a:ext>
             </a:extLst>
           </p:cNvPr>
@@ -1318,7 +1318,7 @@
           <p:cNvPr id="4" name="内容占位符 3">
             <a:extLst>
               <a:ext uri="{FF2B5EF4-FFF2-40B4-BE49-F238E27FC236}">
-                <a16:creationId xmlns:a16="http://schemas.microsoft.com/office/drawing/2014/main" id="{02A6E01C-A07E-DAEE-0A15-C7F8E713B324}"/>
+                <a16:creationId xmlns:a16="http://schemas.microsoft.com/office/drawing/2014/main" id="{4101F5AD-C259-3C8E-D262-9FECC670B37E}"/>
               </a:ext>
             </a:extLst>
           </p:cNvPr>
@@ -1380,7 +1380,7 @@
           <p:cNvPr id="5" name="日期占位符 4">
             <a:extLst>
               <a:ext uri="{FF2B5EF4-FFF2-40B4-BE49-F238E27FC236}">
-                <a16:creationId xmlns:a16="http://schemas.microsoft.com/office/drawing/2014/main" id="{436C9C83-30A3-ED4F-66B2-EA98BDADDA33}"/>
+                <a16:creationId xmlns:a16="http://schemas.microsoft.com/office/drawing/2014/main" id="{184B6D0C-08E5-E0C2-E920-1F8F509F71EC}"/>
               </a:ext>
             </a:extLst>
           </p:cNvPr>
@@ -1396,7 +1396,7 @@
           <a:bodyPr/>
           <a:lstStyle/>
           <a:p>
-            <a:fld id="{41296D1A-6BE3-4FAA-BC3C-561484BB4BBF}" type="datetimeFigureOut">
+            <a:fld id="{93D1CF52-49BA-416A-925C-B4484866E4F7}" type="datetimeFigureOut">
               <a:rPr lang="zh-CN" altLang="en-US" smtClean="0"/>
               <a:t>2024/3/10</a:t>
             </a:fld>
@@ -1409,7 +1409,7 @@
           <p:cNvPr id="6" name="页脚占位符 5">
             <a:extLst>
               <a:ext uri="{FF2B5EF4-FFF2-40B4-BE49-F238E27FC236}">
-                <a16:creationId xmlns:a16="http://schemas.microsoft.com/office/drawing/2014/main" id="{302827CB-4F00-894A-E2A7-43F0CBD4D5AD}"/>
+                <a16:creationId xmlns:a16="http://schemas.microsoft.com/office/drawing/2014/main" id="{0671D70D-E146-CA70-F094-0E3534843705}"/>
               </a:ext>
             </a:extLst>
           </p:cNvPr>
@@ -1434,7 +1434,7 @@
           <p:cNvPr id="7" name="灯片编号占位符 6">
             <a:extLst>
               <a:ext uri="{FF2B5EF4-FFF2-40B4-BE49-F238E27FC236}">
-                <a16:creationId xmlns:a16="http://schemas.microsoft.com/office/drawing/2014/main" id="{649AA99C-D13F-7585-CBFD-18E7662E36E9}"/>
+                <a16:creationId xmlns:a16="http://schemas.microsoft.com/office/drawing/2014/main" id="{5C7681C0-D0DF-E03F-06F2-44466D664787}"/>
               </a:ext>
             </a:extLst>
           </p:cNvPr>
@@ -1450,7 +1450,7 @@
           <a:bodyPr/>
           <a:lstStyle/>
           <a:p>
-            <a:fld id="{A615D608-D3B1-4F84-BD7A-6B37F425C720}" type="slidenum">
+            <a:fld id="{E1ACA7B8-9100-41A5-9AB9-BAAA80D6E5DC}" type="slidenum">
               <a:rPr lang="zh-CN" altLang="en-US" smtClean="0"/>
               <a:t>‹#›</a:t>
             </a:fld>
@@ -1461,7 +1461,7 @@
     </p:spTree>
     <p:extLst>
       <p:ext uri="{BB962C8B-B14F-4D97-AF65-F5344CB8AC3E}">
-        <p14:creationId xmlns:p14="http://schemas.microsoft.com/office/powerpoint/2010/main" val="2868720437"/>
+        <p14:creationId xmlns:p14="http://schemas.microsoft.com/office/powerpoint/2010/main" val="3108173128"/>
       </p:ext>
     </p:extLst>
   </p:cSld>
@@ -1493,7 +1493,7 @@
           <p:cNvPr id="2" name="标题 1">
             <a:extLst>
               <a:ext uri="{FF2B5EF4-FFF2-40B4-BE49-F238E27FC236}">
-                <a16:creationId xmlns:a16="http://schemas.microsoft.com/office/drawing/2014/main" id="{EA66C0CD-6271-0553-3694-84D92C1B5075}"/>
+                <a16:creationId xmlns:a16="http://schemas.microsoft.com/office/drawing/2014/main" id="{7B090059-0B91-F296-B458-CF4FEA55A0FC}"/>
               </a:ext>
             </a:extLst>
           </p:cNvPr>
@@ -1526,7 +1526,7 @@
           <p:cNvPr id="3" name="文本占位符 2">
             <a:extLst>
               <a:ext uri="{FF2B5EF4-FFF2-40B4-BE49-F238E27FC236}">
-                <a16:creationId xmlns:a16="http://schemas.microsoft.com/office/drawing/2014/main" id="{83DE4A33-B6CE-4F5B-E07D-5349B5818F91}"/>
+                <a16:creationId xmlns:a16="http://schemas.microsoft.com/office/drawing/2014/main" id="{1174A14C-A159-5DFE-C128-8BE09EB63DF5}"/>
               </a:ext>
             </a:extLst>
           </p:cNvPr>
@@ -1597,7 +1597,7 @@
           <p:cNvPr id="4" name="内容占位符 3">
             <a:extLst>
               <a:ext uri="{FF2B5EF4-FFF2-40B4-BE49-F238E27FC236}">
-                <a16:creationId xmlns:a16="http://schemas.microsoft.com/office/drawing/2014/main" id="{9CC41D68-173E-9558-9B0D-2F449505D377}"/>
+                <a16:creationId xmlns:a16="http://schemas.microsoft.com/office/drawing/2014/main" id="{C2767127-E1BA-B86B-B7F6-4BCA5AA27C3D}"/>
               </a:ext>
             </a:extLst>
           </p:cNvPr>
@@ -1659,7 +1659,7 @@
           <p:cNvPr id="5" name="文本占位符 4">
             <a:extLst>
               <a:ext uri="{FF2B5EF4-FFF2-40B4-BE49-F238E27FC236}">
-                <a16:creationId xmlns:a16="http://schemas.microsoft.com/office/drawing/2014/main" id="{0A290554-E7AB-B0CB-2489-E702437D7BD6}"/>
+                <a16:creationId xmlns:a16="http://schemas.microsoft.com/office/drawing/2014/main" id="{4AE97100-99D1-961C-BDD2-B9C56C3C2378}"/>
               </a:ext>
             </a:extLst>
           </p:cNvPr>
@@ -1730,7 +1730,7 @@
           <p:cNvPr id="6" name="内容占位符 5">
             <a:extLst>
               <a:ext uri="{FF2B5EF4-FFF2-40B4-BE49-F238E27FC236}">
-                <a16:creationId xmlns:a16="http://schemas.microsoft.com/office/drawing/2014/main" id="{4BC98516-363B-236F-1D2D-F1799BBCFDE1}"/>
+                <a16:creationId xmlns:a16="http://schemas.microsoft.com/office/drawing/2014/main" id="{21E2FA1B-2ADA-F751-C41E-80CCD6E5F765}"/>
               </a:ext>
             </a:extLst>
           </p:cNvPr>
@@ -1792,7 +1792,7 @@
           <p:cNvPr id="7" name="日期占位符 6">
             <a:extLst>
               <a:ext uri="{FF2B5EF4-FFF2-40B4-BE49-F238E27FC236}">
-                <a16:creationId xmlns:a16="http://schemas.microsoft.com/office/drawing/2014/main" id="{7956501C-8BE7-E711-EA97-5B00889E8D29}"/>
+                <a16:creationId xmlns:a16="http://schemas.microsoft.com/office/drawing/2014/main" id="{B7047F23-0817-80C4-67A2-6C4D5E12C0C4}"/>
               </a:ext>
             </a:extLst>
           </p:cNvPr>
@@ -1808,7 +1808,7 @@
           <a:bodyPr/>
           <a:lstStyle/>
           <a:p>
-            <a:fld id="{41296D1A-6BE3-4FAA-BC3C-561484BB4BBF}" type="datetimeFigureOut">
+            <a:fld id="{93D1CF52-49BA-416A-925C-B4484866E4F7}" type="datetimeFigureOut">
               <a:rPr lang="zh-CN" altLang="en-US" smtClean="0"/>
               <a:t>2024/3/10</a:t>
             </a:fld>
@@ -1821,7 +1821,7 @@
           <p:cNvPr id="8" name="页脚占位符 7">
             <a:extLst>
               <a:ext uri="{FF2B5EF4-FFF2-40B4-BE49-F238E27FC236}">
-                <a16:creationId xmlns:a16="http://schemas.microsoft.com/office/drawing/2014/main" id="{5F5E38C8-3DE6-0EA4-1FDC-206AFA50522B}"/>
+                <a16:creationId xmlns:a16="http://schemas.microsoft.com/office/drawing/2014/main" id="{F44B315A-0852-2646-0C6A-8C990BFE08DE}"/>
               </a:ext>
             </a:extLst>
           </p:cNvPr>
@@ -1846,7 +1846,7 @@
           <p:cNvPr id="9" name="灯片编号占位符 8">
             <a:extLst>
               <a:ext uri="{FF2B5EF4-FFF2-40B4-BE49-F238E27FC236}">
-                <a16:creationId xmlns:a16="http://schemas.microsoft.com/office/drawing/2014/main" id="{4FB150BC-EE4D-3DDD-2D8A-51D7472E9C08}"/>
+                <a16:creationId xmlns:a16="http://schemas.microsoft.com/office/drawing/2014/main" id="{235CCC9B-419D-6F44-E6FB-13D4021FFE5D}"/>
               </a:ext>
             </a:extLst>
           </p:cNvPr>
@@ -1862,7 +1862,7 @@
           <a:bodyPr/>
           <a:lstStyle/>
           <a:p>
-            <a:fld id="{A615D608-D3B1-4F84-BD7A-6B37F425C720}" type="slidenum">
+            <a:fld id="{E1ACA7B8-9100-41A5-9AB9-BAAA80D6E5DC}" type="slidenum">
               <a:rPr lang="zh-CN" altLang="en-US" smtClean="0"/>
               <a:t>‹#›</a:t>
             </a:fld>
@@ -1873,7 +1873,7 @@
     </p:spTree>
     <p:extLst>
       <p:ext uri="{BB962C8B-B14F-4D97-AF65-F5344CB8AC3E}">
-        <p14:creationId xmlns:p14="http://schemas.microsoft.com/office/powerpoint/2010/main" val="2762421961"/>
+        <p14:creationId xmlns:p14="http://schemas.microsoft.com/office/powerpoint/2010/main" val="2462865465"/>
       </p:ext>
     </p:extLst>
   </p:cSld>
@@ -1905,7 +1905,7 @@
           <p:cNvPr id="2" name="标题 1">
             <a:extLst>
               <a:ext uri="{FF2B5EF4-FFF2-40B4-BE49-F238E27FC236}">
-                <a16:creationId xmlns:a16="http://schemas.microsoft.com/office/drawing/2014/main" id="{35F4B41E-86EF-3F63-ABA8-5ADFFC3AE3D9}"/>
+                <a16:creationId xmlns:a16="http://schemas.microsoft.com/office/drawing/2014/main" id="{6352791B-7650-2A32-8E54-0C277BF82533}"/>
               </a:ext>
             </a:extLst>
           </p:cNvPr>
@@ -1933,7 +1933,7 @@
           <p:cNvPr id="3" name="日期占位符 2">
             <a:extLst>
               <a:ext uri="{FF2B5EF4-FFF2-40B4-BE49-F238E27FC236}">
-                <a16:creationId xmlns:a16="http://schemas.microsoft.com/office/drawing/2014/main" id="{20F44809-8C39-D6D5-BAF8-D30CC5E1E797}"/>
+                <a16:creationId xmlns:a16="http://schemas.microsoft.com/office/drawing/2014/main" id="{0F87A985-A95F-E10C-3303-6E8256375BE8}"/>
               </a:ext>
             </a:extLst>
           </p:cNvPr>
@@ -1949,7 +1949,7 @@
           <a:bodyPr/>
           <a:lstStyle/>
           <a:p>
-            <a:fld id="{41296D1A-6BE3-4FAA-BC3C-561484BB4BBF}" type="datetimeFigureOut">
+            <a:fld id="{93D1CF52-49BA-416A-925C-B4484866E4F7}" type="datetimeFigureOut">
               <a:rPr lang="zh-CN" altLang="en-US" smtClean="0"/>
               <a:t>2024/3/10</a:t>
             </a:fld>
@@ -1962,7 +1962,7 @@
           <p:cNvPr id="4" name="页脚占位符 3">
             <a:extLst>
               <a:ext uri="{FF2B5EF4-FFF2-40B4-BE49-F238E27FC236}">
-                <a16:creationId xmlns:a16="http://schemas.microsoft.com/office/drawing/2014/main" id="{CC807ACF-5804-6000-28D8-BA1D27475C38}"/>
+                <a16:creationId xmlns:a16="http://schemas.microsoft.com/office/drawing/2014/main" id="{CB9D1D31-AE03-685F-A51D-08802908B914}"/>
               </a:ext>
             </a:extLst>
           </p:cNvPr>
@@ -1987,7 +1987,7 @@
           <p:cNvPr id="5" name="灯片编号占位符 4">
             <a:extLst>
               <a:ext uri="{FF2B5EF4-FFF2-40B4-BE49-F238E27FC236}">
-                <a16:creationId xmlns:a16="http://schemas.microsoft.com/office/drawing/2014/main" id="{A7590584-D4BB-8BCB-DAFB-3710EB6D6212}"/>
+                <a16:creationId xmlns:a16="http://schemas.microsoft.com/office/drawing/2014/main" id="{E97523E4-CFC6-873C-8704-D26B89C32C53}"/>
               </a:ext>
             </a:extLst>
           </p:cNvPr>
@@ -2003,7 +2003,7 @@
           <a:bodyPr/>
           <a:lstStyle/>
           <a:p>
-            <a:fld id="{A615D608-D3B1-4F84-BD7A-6B37F425C720}" type="slidenum">
+            <a:fld id="{E1ACA7B8-9100-41A5-9AB9-BAAA80D6E5DC}" type="slidenum">
               <a:rPr lang="zh-CN" altLang="en-US" smtClean="0"/>
               <a:t>‹#›</a:t>
             </a:fld>
@@ -2014,7 +2014,7 @@
     </p:spTree>
     <p:extLst>
       <p:ext uri="{BB962C8B-B14F-4D97-AF65-F5344CB8AC3E}">
-        <p14:creationId xmlns:p14="http://schemas.microsoft.com/office/powerpoint/2010/main" val="1236927850"/>
+        <p14:creationId xmlns:p14="http://schemas.microsoft.com/office/powerpoint/2010/main" val="2276450247"/>
       </p:ext>
     </p:extLst>
   </p:cSld>
@@ -2046,7 +2046,7 @@
           <p:cNvPr id="2" name="日期占位符 1">
             <a:extLst>
               <a:ext uri="{FF2B5EF4-FFF2-40B4-BE49-F238E27FC236}">
-                <a16:creationId xmlns:a16="http://schemas.microsoft.com/office/drawing/2014/main" id="{2E3DA961-F059-F217-FF0B-A1BEC4FF5DF8}"/>
+                <a16:creationId xmlns:a16="http://schemas.microsoft.com/office/drawing/2014/main" id="{3C087991-5305-AD35-7DD8-2BE6AB8F1C26}"/>
               </a:ext>
             </a:extLst>
           </p:cNvPr>
@@ -2062,7 +2062,7 @@
           <a:bodyPr/>
           <a:lstStyle/>
           <a:p>
-            <a:fld id="{41296D1A-6BE3-4FAA-BC3C-561484BB4BBF}" type="datetimeFigureOut">
+            <a:fld id="{93D1CF52-49BA-416A-925C-B4484866E4F7}" type="datetimeFigureOut">
               <a:rPr lang="zh-CN" altLang="en-US" smtClean="0"/>
               <a:t>2024/3/10</a:t>
             </a:fld>
@@ -2075,7 +2075,7 @@
           <p:cNvPr id="3" name="页脚占位符 2">
             <a:extLst>
               <a:ext uri="{FF2B5EF4-FFF2-40B4-BE49-F238E27FC236}">
-                <a16:creationId xmlns:a16="http://schemas.microsoft.com/office/drawing/2014/main" id="{BD677909-183F-DF9F-2544-0771C2CBC3CB}"/>
+                <a16:creationId xmlns:a16="http://schemas.microsoft.com/office/drawing/2014/main" id="{533CDC6C-8B76-0F33-3439-DD2959F5F542}"/>
               </a:ext>
             </a:extLst>
           </p:cNvPr>
@@ -2100,7 +2100,7 @@
           <p:cNvPr id="4" name="灯片编号占位符 3">
             <a:extLst>
               <a:ext uri="{FF2B5EF4-FFF2-40B4-BE49-F238E27FC236}">
-                <a16:creationId xmlns:a16="http://schemas.microsoft.com/office/drawing/2014/main" id="{B2EE4F6E-EED8-2643-1AEB-19C98176BA50}"/>
+                <a16:creationId xmlns:a16="http://schemas.microsoft.com/office/drawing/2014/main" id="{A44A666B-70A2-2133-43D3-877142275D62}"/>
               </a:ext>
             </a:extLst>
           </p:cNvPr>
@@ -2116,7 +2116,7 @@
           <a:bodyPr/>
           <a:lstStyle/>
           <a:p>
-            <a:fld id="{A615D608-D3B1-4F84-BD7A-6B37F425C720}" type="slidenum">
+            <a:fld id="{E1ACA7B8-9100-41A5-9AB9-BAAA80D6E5DC}" type="slidenum">
               <a:rPr lang="zh-CN" altLang="en-US" smtClean="0"/>
               <a:t>‹#›</a:t>
             </a:fld>
@@ -2127,7 +2127,7 @@
     </p:spTree>
     <p:extLst>
       <p:ext uri="{BB962C8B-B14F-4D97-AF65-F5344CB8AC3E}">
-        <p14:creationId xmlns:p14="http://schemas.microsoft.com/office/powerpoint/2010/main" val="2436128493"/>
+        <p14:creationId xmlns:p14="http://schemas.microsoft.com/office/powerpoint/2010/main" val="1556073925"/>
       </p:ext>
     </p:extLst>
   </p:cSld>
@@ -2159,7 +2159,7 @@
           <p:cNvPr id="2" name="标题 1">
             <a:extLst>
               <a:ext uri="{FF2B5EF4-FFF2-40B4-BE49-F238E27FC236}">
-                <a16:creationId xmlns:a16="http://schemas.microsoft.com/office/drawing/2014/main" id="{1682992E-9AB8-43D3-30D4-7F9C97782DED}"/>
+                <a16:creationId xmlns:a16="http://schemas.microsoft.com/office/drawing/2014/main" id="{C09CE26F-1CB2-060B-0486-359AFD7440F2}"/>
               </a:ext>
             </a:extLst>
           </p:cNvPr>
@@ -2196,7 +2196,7 @@
           <p:cNvPr id="3" name="内容占位符 2">
             <a:extLst>
               <a:ext uri="{FF2B5EF4-FFF2-40B4-BE49-F238E27FC236}">
-                <a16:creationId xmlns:a16="http://schemas.microsoft.com/office/drawing/2014/main" id="{49CD5F64-B92F-9129-635A-B883B7879A40}"/>
+                <a16:creationId xmlns:a16="http://schemas.microsoft.com/office/drawing/2014/main" id="{EBBC5099-B7B9-3757-F357-5C59D282C8C5}"/>
               </a:ext>
             </a:extLst>
           </p:cNvPr>
@@ -2286,7 +2286,7 @@
           <p:cNvPr id="4" name="文本占位符 3">
             <a:extLst>
               <a:ext uri="{FF2B5EF4-FFF2-40B4-BE49-F238E27FC236}">
-                <a16:creationId xmlns:a16="http://schemas.microsoft.com/office/drawing/2014/main" id="{A22DBF3D-6F04-6B25-9712-88B706180079}"/>
+                <a16:creationId xmlns:a16="http://schemas.microsoft.com/office/drawing/2014/main" id="{570B63E8-1EBB-D9C9-43D6-BD685DE28099}"/>
               </a:ext>
             </a:extLst>
           </p:cNvPr>
@@ -2357,7 +2357,7 @@
           <p:cNvPr id="5" name="日期占位符 4">
             <a:extLst>
               <a:ext uri="{FF2B5EF4-FFF2-40B4-BE49-F238E27FC236}">
-                <a16:creationId xmlns:a16="http://schemas.microsoft.com/office/drawing/2014/main" id="{E23E756C-088B-A9A6-477B-54D215A0F234}"/>
+                <a16:creationId xmlns:a16="http://schemas.microsoft.com/office/drawing/2014/main" id="{6EA6FEA4-27B1-4C7E-50A4-01DE8878A76A}"/>
               </a:ext>
             </a:extLst>
           </p:cNvPr>
@@ -2373,7 +2373,7 @@
           <a:bodyPr/>
           <a:lstStyle/>
           <a:p>
-            <a:fld id="{41296D1A-6BE3-4FAA-BC3C-561484BB4BBF}" type="datetimeFigureOut">
+            <a:fld id="{93D1CF52-49BA-416A-925C-B4484866E4F7}" type="datetimeFigureOut">
               <a:rPr lang="zh-CN" altLang="en-US" smtClean="0"/>
               <a:t>2024/3/10</a:t>
             </a:fld>
@@ -2386,7 +2386,7 @@
           <p:cNvPr id="6" name="页脚占位符 5">
             <a:extLst>
               <a:ext uri="{FF2B5EF4-FFF2-40B4-BE49-F238E27FC236}">
-                <a16:creationId xmlns:a16="http://schemas.microsoft.com/office/drawing/2014/main" id="{2CA4DA9D-7388-6C08-176A-BE29F1373727}"/>
+                <a16:creationId xmlns:a16="http://schemas.microsoft.com/office/drawing/2014/main" id="{FDBB1C05-FDD9-859D-0AAE-44DEEF0F0915}"/>
               </a:ext>
             </a:extLst>
           </p:cNvPr>
@@ -2411,7 +2411,7 @@
           <p:cNvPr id="7" name="灯片编号占位符 6">
             <a:extLst>
               <a:ext uri="{FF2B5EF4-FFF2-40B4-BE49-F238E27FC236}">
-                <a16:creationId xmlns:a16="http://schemas.microsoft.com/office/drawing/2014/main" id="{898F5111-03D5-0A5B-06F6-F6E91A44CC52}"/>
+                <a16:creationId xmlns:a16="http://schemas.microsoft.com/office/drawing/2014/main" id="{8190D312-91AD-D8B2-5F72-A37109004D33}"/>
               </a:ext>
             </a:extLst>
           </p:cNvPr>
@@ -2427,7 +2427,7 @@
           <a:bodyPr/>
           <a:lstStyle/>
           <a:p>
-            <a:fld id="{A615D608-D3B1-4F84-BD7A-6B37F425C720}" type="slidenum">
+            <a:fld id="{E1ACA7B8-9100-41A5-9AB9-BAAA80D6E5DC}" type="slidenum">
               <a:rPr lang="zh-CN" altLang="en-US" smtClean="0"/>
               <a:t>‹#›</a:t>
             </a:fld>
@@ -2438,7 +2438,7 @@
     </p:spTree>
     <p:extLst>
       <p:ext uri="{BB962C8B-B14F-4D97-AF65-F5344CB8AC3E}">
-        <p14:creationId xmlns:p14="http://schemas.microsoft.com/office/powerpoint/2010/main" val="3158654047"/>
+        <p14:creationId xmlns:p14="http://schemas.microsoft.com/office/powerpoint/2010/main" val="3225856980"/>
       </p:ext>
     </p:extLst>
   </p:cSld>
@@ -2470,7 +2470,7 @@
           <p:cNvPr id="2" name="标题 1">
             <a:extLst>
               <a:ext uri="{FF2B5EF4-FFF2-40B4-BE49-F238E27FC236}">
-                <a16:creationId xmlns:a16="http://schemas.microsoft.com/office/drawing/2014/main" id="{2AE927E2-605B-FEC8-AFEB-B402BA83404E}"/>
+                <a16:creationId xmlns:a16="http://schemas.microsoft.com/office/drawing/2014/main" id="{CF61234D-6498-1EF5-6C2E-E03E750FBAC6}"/>
               </a:ext>
             </a:extLst>
           </p:cNvPr>
@@ -2507,7 +2507,7 @@
           <p:cNvPr id="3" name="图片占位符 2">
             <a:extLst>
               <a:ext uri="{FF2B5EF4-FFF2-40B4-BE49-F238E27FC236}">
-                <a16:creationId xmlns:a16="http://schemas.microsoft.com/office/drawing/2014/main" id="{54EC1AEB-E74F-E775-EF31-A6593F853D55}"/>
+                <a16:creationId xmlns:a16="http://schemas.microsoft.com/office/drawing/2014/main" id="{82F3809E-A6FC-7F7F-8278-E0D11B3C521C}"/>
               </a:ext>
             </a:extLst>
           </p:cNvPr>
@@ -2574,7 +2574,7 @@
           <p:cNvPr id="4" name="文本占位符 3">
             <a:extLst>
               <a:ext uri="{FF2B5EF4-FFF2-40B4-BE49-F238E27FC236}">
-                <a16:creationId xmlns:a16="http://schemas.microsoft.com/office/drawing/2014/main" id="{E385D5EC-0B2C-745E-4A31-9D62D113D318}"/>
+                <a16:creationId xmlns:a16="http://schemas.microsoft.com/office/drawing/2014/main" id="{3FFAC492-A0F6-79F9-535F-A5E30AEF1521}"/>
               </a:ext>
             </a:extLst>
           </p:cNvPr>
@@ -2645,7 +2645,7 @@
           <p:cNvPr id="5" name="日期占位符 4">
             <a:extLst>
               <a:ext uri="{FF2B5EF4-FFF2-40B4-BE49-F238E27FC236}">
-                <a16:creationId xmlns:a16="http://schemas.microsoft.com/office/drawing/2014/main" id="{70FB60BA-D7CD-D413-42DA-CF124BE018E8}"/>
+                <a16:creationId xmlns:a16="http://schemas.microsoft.com/office/drawing/2014/main" id="{77C26995-0CCE-2B07-2888-F7BAA0FD5352}"/>
               </a:ext>
             </a:extLst>
           </p:cNvPr>
@@ -2661,7 +2661,7 @@
           <a:bodyPr/>
           <a:lstStyle/>
           <a:p>
-            <a:fld id="{41296D1A-6BE3-4FAA-BC3C-561484BB4BBF}" type="datetimeFigureOut">
+            <a:fld id="{93D1CF52-49BA-416A-925C-B4484866E4F7}" type="datetimeFigureOut">
               <a:rPr lang="zh-CN" altLang="en-US" smtClean="0"/>
               <a:t>2024/3/10</a:t>
             </a:fld>
@@ -2674,7 +2674,7 @@
           <p:cNvPr id="6" name="页脚占位符 5">
             <a:extLst>
               <a:ext uri="{FF2B5EF4-FFF2-40B4-BE49-F238E27FC236}">
-                <a16:creationId xmlns:a16="http://schemas.microsoft.com/office/drawing/2014/main" id="{39E82774-9B6E-1A1B-CDAF-EDD372113F52}"/>
+                <a16:creationId xmlns:a16="http://schemas.microsoft.com/office/drawing/2014/main" id="{A0BBC1DA-6399-93D9-3DFF-E6CBC1E66C91}"/>
               </a:ext>
             </a:extLst>
           </p:cNvPr>
@@ -2699,7 +2699,7 @@
           <p:cNvPr id="7" name="灯片编号占位符 6">
             <a:extLst>
               <a:ext uri="{FF2B5EF4-FFF2-40B4-BE49-F238E27FC236}">
-                <a16:creationId xmlns:a16="http://schemas.microsoft.com/office/drawing/2014/main" id="{82F81811-F02B-C642-423B-67DBCEF5A274}"/>
+                <a16:creationId xmlns:a16="http://schemas.microsoft.com/office/drawing/2014/main" id="{AA6E6D47-CF56-CECB-39E5-1666B5C3A96B}"/>
               </a:ext>
             </a:extLst>
           </p:cNvPr>
@@ -2715,7 +2715,7 @@
           <a:bodyPr/>
           <a:lstStyle/>
           <a:p>
-            <a:fld id="{A615D608-D3B1-4F84-BD7A-6B37F425C720}" type="slidenum">
+            <a:fld id="{E1ACA7B8-9100-41A5-9AB9-BAAA80D6E5DC}" type="slidenum">
               <a:rPr lang="zh-CN" altLang="en-US" smtClean="0"/>
               <a:t>‹#›</a:t>
             </a:fld>
@@ -2726,7 +2726,7 @@
     </p:spTree>
     <p:extLst>
       <p:ext uri="{BB962C8B-B14F-4D97-AF65-F5344CB8AC3E}">
-        <p14:creationId xmlns:p14="http://schemas.microsoft.com/office/powerpoint/2010/main" val="2852375840"/>
+        <p14:creationId xmlns:p14="http://schemas.microsoft.com/office/powerpoint/2010/main" val="3998103252"/>
       </p:ext>
     </p:extLst>
   </p:cSld>
@@ -2763,7 +2763,7 @@
           <p:cNvPr id="2" name="标题占位符 1">
             <a:extLst>
               <a:ext uri="{FF2B5EF4-FFF2-40B4-BE49-F238E27FC236}">
-                <a16:creationId xmlns:a16="http://schemas.microsoft.com/office/drawing/2014/main" id="{F771E259-5E4E-1692-154F-09C4C8FB3866}"/>
+                <a16:creationId xmlns:a16="http://schemas.microsoft.com/office/drawing/2014/main" id="{10176A00-AAEA-1725-4577-25EC4AED91E8}"/>
               </a:ext>
             </a:extLst>
           </p:cNvPr>
@@ -2801,7 +2801,7 @@
           <p:cNvPr id="3" name="文本占位符 2">
             <a:extLst>
               <a:ext uri="{FF2B5EF4-FFF2-40B4-BE49-F238E27FC236}">
-                <a16:creationId xmlns:a16="http://schemas.microsoft.com/office/drawing/2014/main" id="{02493C12-7A7A-3985-62F2-1881CA284DB2}"/>
+                <a16:creationId xmlns:a16="http://schemas.microsoft.com/office/drawing/2014/main" id="{41687981-05A3-8805-3441-DB7CCC5EC58D}"/>
               </a:ext>
             </a:extLst>
           </p:cNvPr>
@@ -2868,7 +2868,7 @@
           <p:cNvPr id="4" name="日期占位符 3">
             <a:extLst>
               <a:ext uri="{FF2B5EF4-FFF2-40B4-BE49-F238E27FC236}">
-                <a16:creationId xmlns:a16="http://schemas.microsoft.com/office/drawing/2014/main" id="{4B96157D-0AE1-5AF5-2CBF-9D7F6E0C2132}"/>
+                <a16:creationId xmlns:a16="http://schemas.microsoft.com/office/drawing/2014/main" id="{5D8D1DA6-0423-3128-604E-998D760A4337}"/>
               </a:ext>
             </a:extLst>
           </p:cNvPr>
@@ -2902,7 +2902,7 @@
             </a:lvl1pPr>
           </a:lstStyle>
           <a:p>
-            <a:fld id="{41296D1A-6BE3-4FAA-BC3C-561484BB4BBF}" type="datetimeFigureOut">
+            <a:fld id="{93D1CF52-49BA-416A-925C-B4484866E4F7}" type="datetimeFigureOut">
               <a:rPr lang="zh-CN" altLang="en-US" smtClean="0"/>
               <a:t>2024/3/10</a:t>
             </a:fld>
@@ -2915,7 +2915,7 @@
           <p:cNvPr id="5" name="页脚占位符 4">
             <a:extLst>
               <a:ext uri="{FF2B5EF4-FFF2-40B4-BE49-F238E27FC236}">
-                <a16:creationId xmlns:a16="http://schemas.microsoft.com/office/drawing/2014/main" id="{F66BE058-DD28-2C8E-D86F-2766A7DAC513}"/>
+                <a16:creationId xmlns:a16="http://schemas.microsoft.com/office/drawing/2014/main" id="{F221D2ED-F2DB-C979-48F0-430BBF87B84C}"/>
               </a:ext>
             </a:extLst>
           </p:cNvPr>
@@ -2958,7 +2958,7 @@
           <p:cNvPr id="6" name="灯片编号占位符 5">
             <a:extLst>
               <a:ext uri="{FF2B5EF4-FFF2-40B4-BE49-F238E27FC236}">
-                <a16:creationId xmlns:a16="http://schemas.microsoft.com/office/drawing/2014/main" id="{614CED18-C508-9C76-471A-EE76D769B290}"/>
+                <a16:creationId xmlns:a16="http://schemas.microsoft.com/office/drawing/2014/main" id="{FC57F559-CC41-EEB4-8F39-0FE8A626BDDF}"/>
               </a:ext>
             </a:extLst>
           </p:cNvPr>
@@ -2992,7 +2992,7 @@
             </a:lvl1pPr>
           </a:lstStyle>
           <a:p>
-            <a:fld id="{A615D608-D3B1-4F84-BD7A-6B37F425C720}" type="slidenum">
+            <a:fld id="{E1ACA7B8-9100-41A5-9AB9-BAAA80D6E5DC}" type="slidenum">
               <a:rPr lang="zh-CN" altLang="en-US" smtClean="0"/>
               <a:t>‹#›</a:t>
             </a:fld>
@@ -3003,7 +3003,7 @@
     </p:spTree>
     <p:extLst>
       <p:ext uri="{BB962C8B-B14F-4D97-AF65-F5344CB8AC3E}">
-        <p14:creationId xmlns:p14="http://schemas.microsoft.com/office/powerpoint/2010/main" val="926772348"/>
+        <p14:creationId xmlns:p14="http://schemas.microsoft.com/office/powerpoint/2010/main" val="1732173408"/>
       </p:ext>
     </p:extLst>
   </p:cSld>
@@ -3323,7 +3323,7 @@
       </p:grpSpPr>
       <p:pic>
         <p:nvPicPr>
-          <p:cNvPr id="918530" name="Picture 2" descr="896"/>
+          <p:cNvPr id="919554" name="Picture 2" descr="897"/>
           <p:cNvPicPr>
             <a:picLocks noChangeAspect="1" noChangeArrowheads="1"/>
           </p:cNvPicPr>
@@ -3344,8 +3344,8 @@
         </p:blipFill>
         <p:spPr bwMode="auto">
           <a:xfrm>
-            <a:off x="1524000" y="14288"/>
-            <a:ext cx="9124950" cy="6843712"/>
+            <a:off x="1543050" y="1"/>
+            <a:ext cx="9124950" cy="6843713"/>
           </a:xfrm>
           <a:prstGeom prst="rect">
             <a:avLst/>
@@ -3375,11 +3375,158 @@
           </a:extLst>
         </p:spPr>
       </p:pic>
+      <p:pic>
+        <p:nvPicPr>
+          <p:cNvPr id="920579" name="Picture 3" descr="897-2"/>
+          <p:cNvPicPr>
+            <a:picLocks noChangeAspect="1" noChangeArrowheads="1"/>
+          </p:cNvPicPr>
+          <p:nvPr/>
+        </p:nvPicPr>
+        <p:blipFill>
+          <a:blip r:embed="rId3">
+            <a:extLst>
+              <a:ext uri="{28A0092B-C50C-407E-A947-70E740481C1C}">
+                <a14:useLocalDpi xmlns:a14="http://schemas.microsoft.com/office/drawing/2010/main" val="0"/>
+              </a:ext>
+            </a:extLst>
+          </a:blip>
+          <a:srcRect/>
+          <a:stretch>
+            <a:fillRect/>
+          </a:stretch>
+        </p:blipFill>
+        <p:spPr bwMode="auto">
+          <a:xfrm>
+            <a:off x="1524000" y="0"/>
+            <a:ext cx="9124950" cy="6845300"/>
+          </a:xfrm>
+          <a:prstGeom prst="rect">
+            <a:avLst/>
+          </a:prstGeom>
+          <a:noFill/>
+          <a:ln>
+            <a:noFill/>
+          </a:ln>
+          <a:effectLst/>
+          <a:extLst>
+            <a:ext uri="{909E8E84-426E-40DD-AFC4-6F175D3DCCD1}">
+              <a14:hiddenFill xmlns:a14="http://schemas.microsoft.com/office/drawing/2010/main">
+                <a:solidFill>
+                  <a:srgbClr val="FFFFFF"/>
+                </a:solidFill>
+              </a14:hiddenFill>
+            </a:ext>
+            <a:ext uri="{91240B29-F687-4F45-9708-019B960494DF}">
+              <a14:hiddenLine xmlns:a14="http://schemas.microsoft.com/office/drawing/2010/main" w="9525">
+                <a:solidFill>
+                  <a:srgbClr val="000000"/>
+                </a:solidFill>
+                <a:miter lim="800000"/>
+                <a:headEnd/>
+                <a:tailEnd/>
+              </a14:hiddenLine>
+            </a:ext>
+            <a:ext uri="{AF507438-7753-43E0-B8FC-AC1667EBCBE1}">
+              <a14:hiddenEffects xmlns:a14="http://schemas.microsoft.com/office/drawing/2010/main">
+                <a:effectLst>
+                  <a:outerShdw dist="35921" dir="2700000" algn="ctr" rotWithShape="0">
+                    <a:srgbClr val="808080"/>
+                  </a:outerShdw>
+                </a:effectLst>
+              </a14:hiddenEffects>
+            </a:ext>
+          </a:extLst>
+        </p:spPr>
+      </p:pic>
     </p:spTree>
   </p:cSld>
   <p:clrMapOvr>
     <a:masterClrMapping/>
   </p:clrMapOvr>
+  <p:timing>
+    <p:tnLst>
+      <p:par>
+        <p:cTn id="1" dur="indefinite" restart="never" nodeType="tmRoot">
+          <p:childTnLst>
+            <p:seq concurrent="1" nextAc="seek">
+              <p:cTn id="2" dur="indefinite" nodeType="mainSeq">
+                <p:childTnLst>
+                  <p:par>
+                    <p:cTn id="3" fill="hold" nodeType="clickPar">
+                      <p:stCondLst>
+                        <p:cond delay="indefinite"/>
+                      </p:stCondLst>
+                      <p:childTnLst>
+                        <p:par>
+                          <p:cTn id="4" fill="hold" nodeType="withGroup">
+                            <p:stCondLst>
+                              <p:cond delay="0"/>
+                            </p:stCondLst>
+                            <p:childTnLst>
+                              <p:par>
+                                <p:cTn id="5" presetID="10" presetClass="entr" presetSubtype="0" fill="hold" nodeType="clickEffect">
+                                  <p:stCondLst>
+                                    <p:cond delay="0"/>
+                                  </p:stCondLst>
+                                  <p:childTnLst>
+                                    <p:set>
+                                      <p:cBhvr>
+                                        <p:cTn id="6" dur="1" fill="hold">
+                                          <p:stCondLst>
+                                            <p:cond delay="0"/>
+                                          </p:stCondLst>
+                                        </p:cTn>
+                                        <p:tgtEl>
+                                          <p:spTgt spid="920579"/>
+                                        </p:tgtEl>
+                                        <p:attrNameLst>
+                                          <p:attrName>style.visibility</p:attrName>
+                                        </p:attrNameLst>
+                                      </p:cBhvr>
+                                      <p:to>
+                                        <p:strVal val="visible"/>
+                                      </p:to>
+                                    </p:set>
+                                    <p:animEffect transition="in" filter="fade">
+                                      <p:cBhvr>
+                                        <p:cTn id="7" dur="500"/>
+                                        <p:tgtEl>
+                                          <p:spTgt spid="920579"/>
+                                        </p:tgtEl>
+                                      </p:cBhvr>
+                                    </p:animEffect>
+                                  </p:childTnLst>
+                                </p:cTn>
+                              </p:par>
+                            </p:childTnLst>
+                          </p:cTn>
+                        </p:par>
+                      </p:childTnLst>
+                    </p:cTn>
+                  </p:par>
+                </p:childTnLst>
+              </p:cTn>
+              <p:prevCondLst>
+                <p:cond evt="onPrev" delay="0">
+                  <p:tgtEl>
+                    <p:sldTgt/>
+                  </p:tgtEl>
+                </p:cond>
+              </p:prevCondLst>
+              <p:nextCondLst>
+                <p:cond evt="onNext" delay="0">
+                  <p:tgtEl>
+                    <p:sldTgt/>
+                  </p:tgtEl>
+                </p:cond>
+              </p:nextCondLst>
+            </p:seq>
+          </p:childTnLst>
+        </p:cTn>
+      </p:par>
+    </p:tnLst>
+  </p:timing>
 </p:sld>
 </file>
 
